--- a/2024, Semester 7/SWD392/Slide/Ch03_Software Life Cycle Models and Processes.pptx
+++ b/2024, Semester 7/SWD392/Slide/Ch03_Software Life Cycle Models and Processes.pptx
@@ -224,7 +224,7 @@
           <a:p>
             <a:fld id="{427337DF-DDE6-4329-B991-8949DA4C999F}" type="datetimeFigureOut">
               <a:rPr lang="en-US" smtClean="0"/>
-              <a:t>12/10/2023</a:t>
+              <a:t>5/6/2024</a:t>
             </a:fld>
             <a:endParaRPr lang="en-US"/>
           </a:p>
@@ -389,7 +389,7 @@
           <a:p>
             <a:fld id="{39794E18-8E48-4968-8FD9-0351CFA90743}" type="datetimeFigureOut">
               <a:rPr lang="en-GB" smtClean="0"/>
-              <a:t>10/12/2023</a:t>
+              <a:t>06/05/2024</a:t>
             </a:fld>
             <a:endParaRPr lang="en-GB"/>
           </a:p>
@@ -879,7 +879,7 @@
           <a:p>
             <a:fld id="{220170DD-C861-476F-B7D8-5341A2B4ECC3}" type="datetimeFigureOut">
               <a:rPr lang="en-GB" smtClean="0"/>
-              <a:t>10/12/2023</a:t>
+              <a:t>06/05/2024</a:t>
             </a:fld>
             <a:endParaRPr lang="en-GB"/>
           </a:p>
@@ -1061,7 +1061,7 @@
           <p:cNvPr id="20" name="Line 1057">
             <a:extLst>
               <a:ext uri="{FF2B5EF4-FFF2-40B4-BE49-F238E27FC236}">
-                <a16:creationId xmlns:a16="http://schemas.microsoft.com/office/drawing/2014/main" id="{E0180F8B-C67A-014F-86B4-6425D016713C}"/>
+                <a16:creationId xmlns:a16="http://schemas.microsoft.com/office/drawing/2014/main" xmlns="" id="{E0180F8B-C67A-014F-86B4-6425D016713C}"/>
               </a:ext>
             </a:extLst>
           </p:cNvPr>
@@ -1121,7 +1121,7 @@
           <p:cNvPr id="15" name="Picture 14">
             <a:extLst>
               <a:ext uri="{FF2B5EF4-FFF2-40B4-BE49-F238E27FC236}">
-                <a16:creationId xmlns:a16="http://schemas.microsoft.com/office/drawing/2014/main" id="{799CD89B-084B-D04A-A863-AD2B2ED77568}"/>
+                <a16:creationId xmlns:a16="http://schemas.microsoft.com/office/drawing/2014/main" xmlns="" id="{799CD89B-084B-D04A-A863-AD2B2ED77568}"/>
               </a:ext>
             </a:extLst>
           </p:cNvPr>
@@ -1151,7 +1151,7 @@
           <p:cNvPr id="11" name="Rectangle 1056">
             <a:extLst>
               <a:ext uri="{FF2B5EF4-FFF2-40B4-BE49-F238E27FC236}">
-                <a16:creationId xmlns:a16="http://schemas.microsoft.com/office/drawing/2014/main" id="{9DA947C3-1AB8-1944-94EA-07318327ACB3}"/>
+                <a16:creationId xmlns:a16="http://schemas.microsoft.com/office/drawing/2014/main" xmlns="" id="{9DA947C3-1AB8-1944-94EA-07318327ACB3}"/>
               </a:ext>
             </a:extLst>
           </p:cNvPr>
@@ -1227,7 +1227,7 @@
           <p:cNvPr id="12" name="Straight Connector 11">
             <a:extLst>
               <a:ext uri="{FF2B5EF4-FFF2-40B4-BE49-F238E27FC236}">
-                <a16:creationId xmlns:a16="http://schemas.microsoft.com/office/drawing/2014/main" id="{D76ADE6F-E287-9D45-BF4E-78DDB3322AB7}"/>
+                <a16:creationId xmlns:a16="http://schemas.microsoft.com/office/drawing/2014/main" xmlns="" id="{D76ADE6F-E287-9D45-BF4E-78DDB3322AB7}"/>
               </a:ext>
             </a:extLst>
           </p:cNvPr>
@@ -1329,7 +1329,7 @@
           <a:p>
             <a:fld id="{220170DD-C861-476F-B7D8-5341A2B4ECC3}" type="datetimeFigureOut">
               <a:rPr lang="en-GB" smtClean="0"/>
-              <a:t>10/12/2023</a:t>
+              <a:t>06/05/2024</a:t>
             </a:fld>
             <a:endParaRPr lang="en-GB"/>
           </a:p>
@@ -1542,7 +1542,7 @@
           <a:p>
             <a:fld id="{220170DD-C861-476F-B7D8-5341A2B4ECC3}" type="datetimeFigureOut">
               <a:rPr lang="en-GB" smtClean="0"/>
-              <a:t>10/12/2023</a:t>
+              <a:t>06/05/2024</a:t>
             </a:fld>
             <a:endParaRPr lang="en-GB"/>
           </a:p>
@@ -1914,7 +1914,7 @@
           <p:cNvPr id="11" name="Title 1">
             <a:extLst>
               <a:ext uri="{FF2B5EF4-FFF2-40B4-BE49-F238E27FC236}">
-                <a16:creationId xmlns:a16="http://schemas.microsoft.com/office/drawing/2014/main" id="{3A045AB4-3B3B-9D46-91AA-D63674BAC40B}"/>
+                <a16:creationId xmlns:a16="http://schemas.microsoft.com/office/drawing/2014/main" xmlns="" id="{3A045AB4-3B3B-9D46-91AA-D63674BAC40B}"/>
               </a:ext>
             </a:extLst>
           </p:cNvPr>
@@ -1956,7 +1956,7 @@
           <p:cNvPr id="12" name="Subtitle 2">
             <a:extLst>
               <a:ext uri="{FF2B5EF4-FFF2-40B4-BE49-F238E27FC236}">
-                <a16:creationId xmlns:a16="http://schemas.microsoft.com/office/drawing/2014/main" id="{9E3A49C6-8B03-984C-A45B-82E3A6B8108A}"/>
+                <a16:creationId xmlns:a16="http://schemas.microsoft.com/office/drawing/2014/main" xmlns="" id="{9E3A49C6-8B03-984C-A45B-82E3A6B8108A}"/>
               </a:ext>
             </a:extLst>
           </p:cNvPr>
@@ -2138,7 +2138,7 @@
           <p:cNvPr id="3" name="Picture 2">
             <a:extLst>
               <a:ext uri="{FF2B5EF4-FFF2-40B4-BE49-F238E27FC236}">
-                <a16:creationId xmlns:a16="http://schemas.microsoft.com/office/drawing/2014/main" id="{4443AD00-2C71-864D-957E-1D17462BF08F}"/>
+                <a16:creationId xmlns:a16="http://schemas.microsoft.com/office/drawing/2014/main" xmlns="" id="{4443AD00-2C71-864D-957E-1D17462BF08F}"/>
               </a:ext>
             </a:extLst>
           </p:cNvPr>
@@ -2198,7 +2198,7 @@
           <p:cNvPr id="2" name="Title 1">
             <a:extLst>
               <a:ext uri="{FF2B5EF4-FFF2-40B4-BE49-F238E27FC236}">
-                <a16:creationId xmlns:a16="http://schemas.microsoft.com/office/drawing/2014/main" id="{7D36A0DF-FFBD-FA48-BA0A-A42E1975AE1D}"/>
+                <a16:creationId xmlns:a16="http://schemas.microsoft.com/office/drawing/2014/main" xmlns="" id="{7D36A0DF-FFBD-FA48-BA0A-A42E1975AE1D}"/>
               </a:ext>
             </a:extLst>
           </p:cNvPr>
@@ -2226,7 +2226,7 @@
           <p:cNvPr id="3" name="Content Placeholder 2">
             <a:extLst>
               <a:ext uri="{FF2B5EF4-FFF2-40B4-BE49-F238E27FC236}">
-                <a16:creationId xmlns:a16="http://schemas.microsoft.com/office/drawing/2014/main" id="{4C513314-A4CB-534E-8494-7CC58E5D6718}"/>
+                <a16:creationId xmlns:a16="http://schemas.microsoft.com/office/drawing/2014/main" xmlns="" id="{4C513314-A4CB-534E-8494-7CC58E5D6718}"/>
               </a:ext>
             </a:extLst>
           </p:cNvPr>
@@ -2407,7 +2407,7 @@
           <p:cNvPr id="1026" name="Picture 2" descr="The Rational Unified Proces Methodology (RUP) explained - Toolshero">
             <a:extLst>
               <a:ext uri="{FF2B5EF4-FFF2-40B4-BE49-F238E27FC236}">
-                <a16:creationId xmlns:a16="http://schemas.microsoft.com/office/drawing/2014/main" id="{CE409BA5-F19A-460F-B83E-EC9FD51D5C81}"/>
+                <a16:creationId xmlns:a16="http://schemas.microsoft.com/office/drawing/2014/main" xmlns="" id="{CE409BA5-F19A-460F-B83E-EC9FD51D5C81}"/>
               </a:ext>
             </a:extLst>
           </p:cNvPr>
@@ -2482,7 +2482,7 @@
           <p:cNvPr id="2" name="Title 1">
             <a:extLst>
               <a:ext uri="{FF2B5EF4-FFF2-40B4-BE49-F238E27FC236}">
-                <a16:creationId xmlns:a16="http://schemas.microsoft.com/office/drawing/2014/main" id="{25654186-1BE7-C64F-A0CD-FDDC4404D40B}"/>
+                <a16:creationId xmlns:a16="http://schemas.microsoft.com/office/drawing/2014/main" xmlns="" id="{25654186-1BE7-C64F-A0CD-FDDC4404D40B}"/>
               </a:ext>
             </a:extLst>
           </p:cNvPr>
@@ -2510,7 +2510,7 @@
           <p:cNvPr id="3" name="Content Placeholder 2">
             <a:extLst>
               <a:ext uri="{FF2B5EF4-FFF2-40B4-BE49-F238E27FC236}">
-                <a16:creationId xmlns:a16="http://schemas.microsoft.com/office/drawing/2014/main" id="{30CE8418-0C43-1549-B38C-8C0556D23084}"/>
+                <a16:creationId xmlns:a16="http://schemas.microsoft.com/office/drawing/2014/main" xmlns="" id="{30CE8418-0C43-1549-B38C-8C0556D23084}"/>
               </a:ext>
             </a:extLst>
           </p:cNvPr>
@@ -2590,7 +2590,7 @@
           <p:cNvPr id="2" name="Title 1">
             <a:extLst>
               <a:ext uri="{FF2B5EF4-FFF2-40B4-BE49-F238E27FC236}">
-                <a16:creationId xmlns:a16="http://schemas.microsoft.com/office/drawing/2014/main" id="{25654186-1BE7-C64F-A0CD-FDDC4404D40B}"/>
+                <a16:creationId xmlns:a16="http://schemas.microsoft.com/office/drawing/2014/main" xmlns="" id="{25654186-1BE7-C64F-A0CD-FDDC4404D40B}"/>
               </a:ext>
             </a:extLst>
           </p:cNvPr>
@@ -2628,7 +2628,7 @@
           <p:cNvPr id="3" name="Content Placeholder 2">
             <a:extLst>
               <a:ext uri="{FF2B5EF4-FFF2-40B4-BE49-F238E27FC236}">
-                <a16:creationId xmlns:a16="http://schemas.microsoft.com/office/drawing/2014/main" id="{30CE8418-0C43-1549-B38C-8C0556D23084}"/>
+                <a16:creationId xmlns:a16="http://schemas.microsoft.com/office/drawing/2014/main" xmlns="" id="{30CE8418-0C43-1549-B38C-8C0556D23084}"/>
               </a:ext>
             </a:extLst>
           </p:cNvPr>
@@ -2770,7 +2770,7 @@
           <p:cNvPr id="2" name="Title 1">
             <a:extLst>
               <a:ext uri="{FF2B5EF4-FFF2-40B4-BE49-F238E27FC236}">
-                <a16:creationId xmlns:a16="http://schemas.microsoft.com/office/drawing/2014/main" id="{25654186-1BE7-C64F-A0CD-FDDC4404D40B}"/>
+                <a16:creationId xmlns:a16="http://schemas.microsoft.com/office/drawing/2014/main" xmlns="" id="{25654186-1BE7-C64F-A0CD-FDDC4404D40B}"/>
               </a:ext>
             </a:extLst>
           </p:cNvPr>
@@ -2798,7 +2798,7 @@
           <p:cNvPr id="3" name="Content Placeholder 2">
             <a:extLst>
               <a:ext uri="{FF2B5EF4-FFF2-40B4-BE49-F238E27FC236}">
-                <a16:creationId xmlns:a16="http://schemas.microsoft.com/office/drawing/2014/main" id="{30CE8418-0C43-1549-B38C-8C0556D23084}"/>
+                <a16:creationId xmlns:a16="http://schemas.microsoft.com/office/drawing/2014/main" xmlns="" id="{30CE8418-0C43-1549-B38C-8C0556D23084}"/>
               </a:ext>
             </a:extLst>
           </p:cNvPr>
@@ -2877,7 +2877,7 @@
           <p:cNvPr id="4" name="Google Shape;2412;p11">
             <a:extLst>
               <a:ext uri="{FF2B5EF4-FFF2-40B4-BE49-F238E27FC236}">
-                <a16:creationId xmlns:a16="http://schemas.microsoft.com/office/drawing/2014/main" id="{57E8EAFA-71CB-F442-BE6B-D40F4DACD6C1}"/>
+                <a16:creationId xmlns:a16="http://schemas.microsoft.com/office/drawing/2014/main" xmlns="" id="{57E8EAFA-71CB-F442-BE6B-D40F4DACD6C1}"/>
               </a:ext>
             </a:extLst>
           </p:cNvPr>
@@ -3043,7 +3043,7 @@
           <p:cNvPr id="5" name="Google Shape;2414;p11">
             <a:extLst>
               <a:ext uri="{FF2B5EF4-FFF2-40B4-BE49-F238E27FC236}">
-                <a16:creationId xmlns:a16="http://schemas.microsoft.com/office/drawing/2014/main" id="{7615FD84-8D0B-4945-BA3E-E6020021FF2C}"/>
+                <a16:creationId xmlns:a16="http://schemas.microsoft.com/office/drawing/2014/main" xmlns="" id="{7615FD84-8D0B-4945-BA3E-E6020021FF2C}"/>
               </a:ext>
             </a:extLst>
           </p:cNvPr>
@@ -3115,7 +3115,7 @@
           <p:cNvPr id="6" name="Google Shape;2415;p11">
             <a:extLst>
               <a:ext uri="{FF2B5EF4-FFF2-40B4-BE49-F238E27FC236}">
-                <a16:creationId xmlns:a16="http://schemas.microsoft.com/office/drawing/2014/main" id="{E81F34DE-283B-8D44-A30E-92500969BC97}"/>
+                <a16:creationId xmlns:a16="http://schemas.microsoft.com/office/drawing/2014/main" xmlns="" id="{E81F34DE-283B-8D44-A30E-92500969BC97}"/>
               </a:ext>
             </a:extLst>
           </p:cNvPr>
@@ -3219,7 +3219,7 @@
           <p:cNvPr id="7" name="Google Shape;2416;p11">
             <a:extLst>
               <a:ext uri="{FF2B5EF4-FFF2-40B4-BE49-F238E27FC236}">
-                <a16:creationId xmlns:a16="http://schemas.microsoft.com/office/drawing/2014/main" id="{82099472-5FDF-6642-A3E7-8A0748BC47E2}"/>
+                <a16:creationId xmlns:a16="http://schemas.microsoft.com/office/drawing/2014/main" xmlns="" id="{82099472-5FDF-6642-A3E7-8A0748BC47E2}"/>
               </a:ext>
             </a:extLst>
           </p:cNvPr>
@@ -3228,8 +3228,8 @@
         </p:nvSpPr>
         <p:spPr>
           <a:xfrm flipH="1">
-            <a:off x="2957694" y="5198982"/>
-            <a:ext cx="1801500" cy="365700"/>
+            <a:off x="2934464" y="5198982"/>
+            <a:ext cx="1824730" cy="365700"/>
           </a:xfrm>
           <a:prstGeom prst="rect">
             <a:avLst/>
@@ -3263,7 +3263,7 @@
               <a:buNone/>
             </a:pPr>
             <a:r>
-              <a:rPr lang="en-US" sz="2700" b="0" i="0" u="none" strike="noStrike" cap="none">
+              <a:rPr lang="en-US" sz="2700" b="0" i="0" u="none" strike="noStrike" cap="none" dirty="0">
                 <a:solidFill>
                   <a:schemeClr val="dk1"/>
                 </a:solidFill>
@@ -3274,7 +3274,7 @@
               </a:rPr>
               <a:t>Integration</a:t>
             </a:r>
-            <a:endParaRPr sz="2700" b="0" i="0" u="none" strike="noStrike" cap="none">
+            <a:endParaRPr sz="2700" b="0" i="0" u="none" strike="noStrike" cap="none" dirty="0">
               <a:solidFill>
                 <a:schemeClr val="dk1"/>
               </a:solidFill>
@@ -3291,7 +3291,7 @@
           <p:cNvPr id="8" name="Google Shape;2417;p11">
             <a:extLst>
               <a:ext uri="{FF2B5EF4-FFF2-40B4-BE49-F238E27FC236}">
-                <a16:creationId xmlns:a16="http://schemas.microsoft.com/office/drawing/2014/main" id="{492A237A-8D26-D64D-BB0C-E646772FA4C0}"/>
+                <a16:creationId xmlns:a16="http://schemas.microsoft.com/office/drawing/2014/main" xmlns="" id="{492A237A-8D26-D64D-BB0C-E646772FA4C0}"/>
               </a:ext>
             </a:extLst>
           </p:cNvPr>
@@ -3363,7 +3363,7 @@
           <p:cNvPr id="9" name="Google Shape;2418;p11">
             <a:extLst>
               <a:ext uri="{FF2B5EF4-FFF2-40B4-BE49-F238E27FC236}">
-                <a16:creationId xmlns:a16="http://schemas.microsoft.com/office/drawing/2014/main" id="{E4F89058-E449-8D49-AF92-DEFC0544FAC7}"/>
+                <a16:creationId xmlns:a16="http://schemas.microsoft.com/office/drawing/2014/main" xmlns="" id="{E4F89058-E449-8D49-AF92-DEFC0544FAC7}"/>
               </a:ext>
             </a:extLst>
           </p:cNvPr>
@@ -3435,7 +3435,7 @@
           <p:cNvPr id="10" name="Google Shape;2419;p11">
             <a:extLst>
               <a:ext uri="{FF2B5EF4-FFF2-40B4-BE49-F238E27FC236}">
-                <a16:creationId xmlns:a16="http://schemas.microsoft.com/office/drawing/2014/main" id="{6D2F8317-8C2C-EB4A-BA73-05E6F4553E5D}"/>
+                <a16:creationId xmlns:a16="http://schemas.microsoft.com/office/drawing/2014/main" xmlns="" id="{6D2F8317-8C2C-EB4A-BA73-05E6F4553E5D}"/>
               </a:ext>
             </a:extLst>
           </p:cNvPr>
@@ -3507,7 +3507,7 @@
           <p:cNvPr id="11" name="Google Shape;2420;p11">
             <a:extLst>
               <a:ext uri="{FF2B5EF4-FFF2-40B4-BE49-F238E27FC236}">
-                <a16:creationId xmlns:a16="http://schemas.microsoft.com/office/drawing/2014/main" id="{6342E4C1-F5E4-D14C-84FF-035E8DF1DDBE}"/>
+                <a16:creationId xmlns:a16="http://schemas.microsoft.com/office/drawing/2014/main" xmlns="" id="{6342E4C1-F5E4-D14C-84FF-035E8DF1DDBE}"/>
               </a:ext>
             </a:extLst>
           </p:cNvPr>
@@ -3571,7 +3571,7 @@
           <p:cNvPr id="12" name="Google Shape;2421;p11">
             <a:extLst>
               <a:ext uri="{FF2B5EF4-FFF2-40B4-BE49-F238E27FC236}">
-                <a16:creationId xmlns:a16="http://schemas.microsoft.com/office/drawing/2014/main" id="{E95CAA42-7E97-7446-A87F-FDDF56CD67B3}"/>
+                <a16:creationId xmlns:a16="http://schemas.microsoft.com/office/drawing/2014/main" xmlns="" id="{E95CAA42-7E97-7446-A87F-FDDF56CD67B3}"/>
               </a:ext>
             </a:extLst>
           </p:cNvPr>
@@ -3635,7 +3635,7 @@
           <p:cNvPr id="13" name="Google Shape;2422;p11">
             <a:extLst>
               <a:ext uri="{FF2B5EF4-FFF2-40B4-BE49-F238E27FC236}">
-                <a16:creationId xmlns:a16="http://schemas.microsoft.com/office/drawing/2014/main" id="{24245C5D-1D36-BD49-B325-9A341A5CA531}"/>
+                <a16:creationId xmlns:a16="http://schemas.microsoft.com/office/drawing/2014/main" xmlns="" id="{24245C5D-1D36-BD49-B325-9A341A5CA531}"/>
               </a:ext>
             </a:extLst>
           </p:cNvPr>
@@ -3699,7 +3699,7 @@
           <p:cNvPr id="14" name="Google Shape;2423;p11">
             <a:extLst>
               <a:ext uri="{FF2B5EF4-FFF2-40B4-BE49-F238E27FC236}">
-                <a16:creationId xmlns:a16="http://schemas.microsoft.com/office/drawing/2014/main" id="{B04D492C-360D-8747-82C1-6E7F90F87F04}"/>
+                <a16:creationId xmlns:a16="http://schemas.microsoft.com/office/drawing/2014/main" xmlns="" id="{B04D492C-360D-8747-82C1-6E7F90F87F04}"/>
               </a:ext>
             </a:extLst>
           </p:cNvPr>
@@ -3763,7 +3763,7 @@
           <p:cNvPr id="15" name="Google Shape;2424;p11">
             <a:extLst>
               <a:ext uri="{FF2B5EF4-FFF2-40B4-BE49-F238E27FC236}">
-                <a16:creationId xmlns:a16="http://schemas.microsoft.com/office/drawing/2014/main" id="{B82ADF4B-1EC0-7946-BCC9-9431CB3B7211}"/>
+                <a16:creationId xmlns:a16="http://schemas.microsoft.com/office/drawing/2014/main" xmlns="" id="{B82ADF4B-1EC0-7946-BCC9-9431CB3B7211}"/>
               </a:ext>
             </a:extLst>
           </p:cNvPr>
@@ -3827,7 +3827,7 @@
           <p:cNvPr id="16" name="Google Shape;2425;p11">
             <a:extLst>
               <a:ext uri="{FF2B5EF4-FFF2-40B4-BE49-F238E27FC236}">
-                <a16:creationId xmlns:a16="http://schemas.microsoft.com/office/drawing/2014/main" id="{83CBD034-ECDE-DF47-855B-713422EF6488}"/>
+                <a16:creationId xmlns:a16="http://schemas.microsoft.com/office/drawing/2014/main" xmlns="" id="{83CBD034-ECDE-DF47-855B-713422EF6488}"/>
               </a:ext>
             </a:extLst>
           </p:cNvPr>
@@ -3864,7 +3864,7 @@
           <p:cNvPr id="17" name="Google Shape;2426;p11">
             <a:extLst>
               <a:ext uri="{FF2B5EF4-FFF2-40B4-BE49-F238E27FC236}">
-                <a16:creationId xmlns:a16="http://schemas.microsoft.com/office/drawing/2014/main" id="{F4FB8AD8-0FA2-8748-8CCA-CCD13E06B09C}"/>
+                <a16:creationId xmlns:a16="http://schemas.microsoft.com/office/drawing/2014/main" xmlns="" id="{F4FB8AD8-0FA2-8748-8CCA-CCD13E06B09C}"/>
               </a:ext>
             </a:extLst>
           </p:cNvPr>
@@ -3901,7 +3901,7 @@
           <p:cNvPr id="18" name="Google Shape;2427;p11">
             <a:extLst>
               <a:ext uri="{FF2B5EF4-FFF2-40B4-BE49-F238E27FC236}">
-                <a16:creationId xmlns:a16="http://schemas.microsoft.com/office/drawing/2014/main" id="{AF143273-E98F-D440-A928-E715B489E58B}"/>
+                <a16:creationId xmlns:a16="http://schemas.microsoft.com/office/drawing/2014/main" xmlns="" id="{AF143273-E98F-D440-A928-E715B489E58B}"/>
               </a:ext>
             </a:extLst>
           </p:cNvPr>
@@ -3938,7 +3938,7 @@
           <p:cNvPr id="19" name="Google Shape;2428;p11">
             <a:extLst>
               <a:ext uri="{FF2B5EF4-FFF2-40B4-BE49-F238E27FC236}">
-                <a16:creationId xmlns:a16="http://schemas.microsoft.com/office/drawing/2014/main" id="{63566510-8662-1048-ADAC-DFB11B0229D8}"/>
+                <a16:creationId xmlns:a16="http://schemas.microsoft.com/office/drawing/2014/main" xmlns="" id="{63566510-8662-1048-ADAC-DFB11B0229D8}"/>
               </a:ext>
             </a:extLst>
           </p:cNvPr>
@@ -3958,7 +3958,7 @@
             <p:cNvPr id="20" name="Google Shape;2429;p11">
               <a:extLst>
                 <a:ext uri="{FF2B5EF4-FFF2-40B4-BE49-F238E27FC236}">
-                  <a16:creationId xmlns:a16="http://schemas.microsoft.com/office/drawing/2014/main" id="{172428E0-B831-D04A-871F-D635B035C4D3}"/>
+                  <a16:creationId xmlns:a16="http://schemas.microsoft.com/office/drawing/2014/main" xmlns="" id="{172428E0-B831-D04A-871F-D635B035C4D3}"/>
                 </a:ext>
               </a:extLst>
             </p:cNvPr>
@@ -4281,7 +4281,7 @@
             <p:cNvPr id="21" name="Google Shape;2430;p11">
               <a:extLst>
                 <a:ext uri="{FF2B5EF4-FFF2-40B4-BE49-F238E27FC236}">
-                  <a16:creationId xmlns:a16="http://schemas.microsoft.com/office/drawing/2014/main" id="{63859BAF-6F3E-D647-9733-BE6E6EA4D9E5}"/>
+                  <a16:creationId xmlns:a16="http://schemas.microsoft.com/office/drawing/2014/main" xmlns="" id="{63859BAF-6F3E-D647-9733-BE6E6EA4D9E5}"/>
                 </a:ext>
               </a:extLst>
             </p:cNvPr>
@@ -4517,7 +4517,7 @@
             <p:cNvPr id="22" name="Google Shape;2431;p11">
               <a:extLst>
                 <a:ext uri="{FF2B5EF4-FFF2-40B4-BE49-F238E27FC236}">
-                  <a16:creationId xmlns:a16="http://schemas.microsoft.com/office/drawing/2014/main" id="{F75CC68B-B276-8349-B4CD-9A29902ECE58}"/>
+                  <a16:creationId xmlns:a16="http://schemas.microsoft.com/office/drawing/2014/main" xmlns="" id="{F75CC68B-B276-8349-B4CD-9A29902ECE58}"/>
                 </a:ext>
               </a:extLst>
             </p:cNvPr>
@@ -4648,7 +4648,7 @@
             <p:cNvPr id="23" name="Google Shape;2432;p11">
               <a:extLst>
                 <a:ext uri="{FF2B5EF4-FFF2-40B4-BE49-F238E27FC236}">
-                  <a16:creationId xmlns:a16="http://schemas.microsoft.com/office/drawing/2014/main" id="{1945C80D-4E0E-0C4E-A636-45C6F980E868}"/>
+                  <a16:creationId xmlns:a16="http://schemas.microsoft.com/office/drawing/2014/main" xmlns="" id="{1945C80D-4E0E-0C4E-A636-45C6F980E868}"/>
                 </a:ext>
               </a:extLst>
             </p:cNvPr>
@@ -4779,7 +4779,7 @@
             <p:cNvPr id="24" name="Google Shape;2433;p11">
               <a:extLst>
                 <a:ext uri="{FF2B5EF4-FFF2-40B4-BE49-F238E27FC236}">
-                  <a16:creationId xmlns:a16="http://schemas.microsoft.com/office/drawing/2014/main" id="{148C683C-9747-F543-8D60-66AFAEE0F043}"/>
+                  <a16:creationId xmlns:a16="http://schemas.microsoft.com/office/drawing/2014/main" xmlns="" id="{148C683C-9747-F543-8D60-66AFAEE0F043}"/>
                 </a:ext>
               </a:extLst>
             </p:cNvPr>
@@ -4958,7 +4958,7 @@
             <p:cNvPr id="25" name="Google Shape;2434;p11">
               <a:extLst>
                 <a:ext uri="{FF2B5EF4-FFF2-40B4-BE49-F238E27FC236}">
-                  <a16:creationId xmlns:a16="http://schemas.microsoft.com/office/drawing/2014/main" id="{2D847139-FC23-464D-B3A7-953506F57C19}"/>
+                  <a16:creationId xmlns:a16="http://schemas.microsoft.com/office/drawing/2014/main" xmlns="" id="{2D847139-FC23-464D-B3A7-953506F57C19}"/>
                 </a:ext>
               </a:extLst>
             </p:cNvPr>
@@ -5137,7 +5137,7 @@
             <p:cNvPr id="26" name="Google Shape;2435;p11">
               <a:extLst>
                 <a:ext uri="{FF2B5EF4-FFF2-40B4-BE49-F238E27FC236}">
-                  <a16:creationId xmlns:a16="http://schemas.microsoft.com/office/drawing/2014/main" id="{A6DBEE9A-4DB3-4546-9F8B-95329CC1DD6A}"/>
+                  <a16:creationId xmlns:a16="http://schemas.microsoft.com/office/drawing/2014/main" xmlns="" id="{A6DBEE9A-4DB3-4546-9F8B-95329CC1DD6A}"/>
                 </a:ext>
               </a:extLst>
             </p:cNvPr>
@@ -5310,7 +5310,7 @@
             <p:cNvPr id="27" name="Google Shape;2436;p11">
               <a:extLst>
                 <a:ext uri="{FF2B5EF4-FFF2-40B4-BE49-F238E27FC236}">
-                  <a16:creationId xmlns:a16="http://schemas.microsoft.com/office/drawing/2014/main" id="{13D81BD4-07A9-F94C-B85F-57B6B645A59D}"/>
+                  <a16:creationId xmlns:a16="http://schemas.microsoft.com/office/drawing/2014/main" xmlns="" id="{13D81BD4-07A9-F94C-B85F-57B6B645A59D}"/>
                 </a:ext>
               </a:extLst>
             </p:cNvPr>
@@ -5484,7 +5484,7 @@
           <p:cNvPr id="28" name="Google Shape;2437;p11">
             <a:extLst>
               <a:ext uri="{FF2B5EF4-FFF2-40B4-BE49-F238E27FC236}">
-                <a16:creationId xmlns:a16="http://schemas.microsoft.com/office/drawing/2014/main" id="{2A4F2656-B2C2-6445-9D28-7B95D6048F8B}"/>
+                <a16:creationId xmlns:a16="http://schemas.microsoft.com/office/drawing/2014/main" xmlns="" id="{2A4F2656-B2C2-6445-9D28-7B95D6048F8B}"/>
               </a:ext>
             </a:extLst>
           </p:cNvPr>
@@ -5504,7 +5504,7 @@
             <p:cNvPr id="29" name="Google Shape;2438;p11">
               <a:extLst>
                 <a:ext uri="{FF2B5EF4-FFF2-40B4-BE49-F238E27FC236}">
-                  <a16:creationId xmlns:a16="http://schemas.microsoft.com/office/drawing/2014/main" id="{EC258D52-EA81-3241-B7A5-389FFBACAC28}"/>
+                  <a16:creationId xmlns:a16="http://schemas.microsoft.com/office/drawing/2014/main" xmlns="" id="{EC258D52-EA81-3241-B7A5-389FFBACAC28}"/>
                 </a:ext>
               </a:extLst>
             </p:cNvPr>
@@ -5707,7 +5707,7 @@
             <p:cNvPr id="30" name="Google Shape;2439;p11">
               <a:extLst>
                 <a:ext uri="{FF2B5EF4-FFF2-40B4-BE49-F238E27FC236}">
-                  <a16:creationId xmlns:a16="http://schemas.microsoft.com/office/drawing/2014/main" id="{1EE876B6-89E6-A043-A13B-42BBB4EDE42E}"/>
+                  <a16:creationId xmlns:a16="http://schemas.microsoft.com/office/drawing/2014/main" xmlns="" id="{1EE876B6-89E6-A043-A13B-42BBB4EDE42E}"/>
                 </a:ext>
               </a:extLst>
             </p:cNvPr>
@@ -5913,7 +5913,7 @@
             <p:cNvPr id="31" name="Google Shape;2440;p11">
               <a:extLst>
                 <a:ext uri="{FF2B5EF4-FFF2-40B4-BE49-F238E27FC236}">
-                  <a16:creationId xmlns:a16="http://schemas.microsoft.com/office/drawing/2014/main" id="{84B1C021-F5AE-3448-B1CB-B5FDB97E9480}"/>
+                  <a16:creationId xmlns:a16="http://schemas.microsoft.com/office/drawing/2014/main" xmlns="" id="{84B1C021-F5AE-3448-B1CB-B5FDB97E9480}"/>
                 </a:ext>
               </a:extLst>
             </p:cNvPr>
@@ -6224,7 +6224,7 @@
             <p:cNvPr id="32" name="Google Shape;2441;p11">
               <a:extLst>
                 <a:ext uri="{FF2B5EF4-FFF2-40B4-BE49-F238E27FC236}">
-                  <a16:creationId xmlns:a16="http://schemas.microsoft.com/office/drawing/2014/main" id="{C59022F7-E5C2-3F46-9DC6-37C481F1BE7E}"/>
+                  <a16:creationId xmlns:a16="http://schemas.microsoft.com/office/drawing/2014/main" xmlns="" id="{C59022F7-E5C2-3F46-9DC6-37C481F1BE7E}"/>
                 </a:ext>
               </a:extLst>
             </p:cNvPr>
@@ -6454,7 +6454,7 @@
             <p:cNvPr id="33" name="Google Shape;2442;p11">
               <a:extLst>
                 <a:ext uri="{FF2B5EF4-FFF2-40B4-BE49-F238E27FC236}">
-                  <a16:creationId xmlns:a16="http://schemas.microsoft.com/office/drawing/2014/main" id="{E85D01AB-94ED-D44F-B1A8-DE0EED75254D}"/>
+                  <a16:creationId xmlns:a16="http://schemas.microsoft.com/office/drawing/2014/main" xmlns="" id="{E85D01AB-94ED-D44F-B1A8-DE0EED75254D}"/>
                 </a:ext>
               </a:extLst>
             </p:cNvPr>
@@ -6540,7 +6540,7 @@
             <p:cNvPr id="34" name="Google Shape;2443;p11">
               <a:extLst>
                 <a:ext uri="{FF2B5EF4-FFF2-40B4-BE49-F238E27FC236}">
-                  <a16:creationId xmlns:a16="http://schemas.microsoft.com/office/drawing/2014/main" id="{2843D064-0749-974B-99F4-E6607331E857}"/>
+                  <a16:creationId xmlns:a16="http://schemas.microsoft.com/office/drawing/2014/main" xmlns="" id="{2843D064-0749-974B-99F4-E6607331E857}"/>
                 </a:ext>
               </a:extLst>
             </p:cNvPr>
@@ -6872,7 +6872,7 @@
             <p:cNvPr id="35" name="Google Shape;2444;p11">
               <a:extLst>
                 <a:ext uri="{FF2B5EF4-FFF2-40B4-BE49-F238E27FC236}">
-                  <a16:creationId xmlns:a16="http://schemas.microsoft.com/office/drawing/2014/main" id="{D8D5F0D6-BA0A-3544-BAE2-A31AEC467DA8}"/>
+                  <a16:creationId xmlns:a16="http://schemas.microsoft.com/office/drawing/2014/main" xmlns="" id="{D8D5F0D6-BA0A-3544-BAE2-A31AEC467DA8}"/>
                 </a:ext>
               </a:extLst>
             </p:cNvPr>
@@ -7108,7 +7108,7 @@
             <p:cNvPr id="36" name="Google Shape;2445;p11">
               <a:extLst>
                 <a:ext uri="{FF2B5EF4-FFF2-40B4-BE49-F238E27FC236}">
-                  <a16:creationId xmlns:a16="http://schemas.microsoft.com/office/drawing/2014/main" id="{606DA307-5D4F-A945-97D6-B9FB0DFAF731}"/>
+                  <a16:creationId xmlns:a16="http://schemas.microsoft.com/office/drawing/2014/main" xmlns="" id="{606DA307-5D4F-A945-97D6-B9FB0DFAF731}"/>
                 </a:ext>
               </a:extLst>
             </p:cNvPr>
@@ -7278,7 +7278,7 @@
             <p:cNvPr id="37" name="Google Shape;2446;p11">
               <a:extLst>
                 <a:ext uri="{FF2B5EF4-FFF2-40B4-BE49-F238E27FC236}">
-                  <a16:creationId xmlns:a16="http://schemas.microsoft.com/office/drawing/2014/main" id="{E1BD2532-B631-B241-8320-E9F7788B5F19}"/>
+                  <a16:creationId xmlns:a16="http://schemas.microsoft.com/office/drawing/2014/main" xmlns="" id="{E1BD2532-B631-B241-8320-E9F7788B5F19}"/>
                 </a:ext>
               </a:extLst>
             </p:cNvPr>
@@ -7382,7 +7382,7 @@
             <p:cNvPr id="38" name="Google Shape;2447;p11">
               <a:extLst>
                 <a:ext uri="{FF2B5EF4-FFF2-40B4-BE49-F238E27FC236}">
-                  <a16:creationId xmlns:a16="http://schemas.microsoft.com/office/drawing/2014/main" id="{0FFA51FD-7B47-DA45-8954-6687EB3138EC}"/>
+                  <a16:creationId xmlns:a16="http://schemas.microsoft.com/office/drawing/2014/main" xmlns="" id="{0FFA51FD-7B47-DA45-8954-6687EB3138EC}"/>
                 </a:ext>
               </a:extLst>
             </p:cNvPr>
@@ -7468,7 +7468,7 @@
             <p:cNvPr id="39" name="Google Shape;2448;p11">
               <a:extLst>
                 <a:ext uri="{FF2B5EF4-FFF2-40B4-BE49-F238E27FC236}">
-                  <a16:creationId xmlns:a16="http://schemas.microsoft.com/office/drawing/2014/main" id="{6AC31C8F-DCDE-9649-824D-2CDDA3B2134D}"/>
+                  <a16:creationId xmlns:a16="http://schemas.microsoft.com/office/drawing/2014/main" xmlns="" id="{6AC31C8F-DCDE-9649-824D-2CDDA3B2134D}"/>
                 </a:ext>
               </a:extLst>
             </p:cNvPr>
@@ -7581,7 +7581,7 @@
             <p:cNvPr id="40" name="Google Shape;2449;p11">
               <a:extLst>
                 <a:ext uri="{FF2B5EF4-FFF2-40B4-BE49-F238E27FC236}">
-                  <a16:creationId xmlns:a16="http://schemas.microsoft.com/office/drawing/2014/main" id="{9DD6F65E-AC1D-044E-9598-1D8E283CA2A6}"/>
+                  <a16:creationId xmlns:a16="http://schemas.microsoft.com/office/drawing/2014/main" xmlns="" id="{9DD6F65E-AC1D-044E-9598-1D8E283CA2A6}"/>
                 </a:ext>
               </a:extLst>
             </p:cNvPr>
@@ -7688,7 +7688,7 @@
             <p:cNvPr id="41" name="Google Shape;2450;p11">
               <a:extLst>
                 <a:ext uri="{FF2B5EF4-FFF2-40B4-BE49-F238E27FC236}">
-                  <a16:creationId xmlns:a16="http://schemas.microsoft.com/office/drawing/2014/main" id="{2E6977DC-7D72-5E45-9B34-AEAC098DACC7}"/>
+                  <a16:creationId xmlns:a16="http://schemas.microsoft.com/office/drawing/2014/main" xmlns="" id="{2E6977DC-7D72-5E45-9B34-AEAC098DACC7}"/>
                 </a:ext>
               </a:extLst>
             </p:cNvPr>
@@ -7798,7 +7798,7 @@
             <p:cNvPr id="42" name="Google Shape;2451;p11">
               <a:extLst>
                 <a:ext uri="{FF2B5EF4-FFF2-40B4-BE49-F238E27FC236}">
-                  <a16:creationId xmlns:a16="http://schemas.microsoft.com/office/drawing/2014/main" id="{18BE1B8A-ED23-7244-9725-0480CB2E62AA}"/>
+                  <a16:creationId xmlns:a16="http://schemas.microsoft.com/office/drawing/2014/main" xmlns="" id="{18BE1B8A-ED23-7244-9725-0480CB2E62AA}"/>
                 </a:ext>
               </a:extLst>
             </p:cNvPr>
@@ -7908,7 +7908,7 @@
             <p:cNvPr id="43" name="Google Shape;2452;p11">
               <a:extLst>
                 <a:ext uri="{FF2B5EF4-FFF2-40B4-BE49-F238E27FC236}">
-                  <a16:creationId xmlns:a16="http://schemas.microsoft.com/office/drawing/2014/main" id="{C52EB42D-01B3-9547-A940-39CEC3F8E105}"/>
+                  <a16:creationId xmlns:a16="http://schemas.microsoft.com/office/drawing/2014/main" xmlns="" id="{C52EB42D-01B3-9547-A940-39CEC3F8E105}"/>
                 </a:ext>
               </a:extLst>
             </p:cNvPr>
@@ -8015,7 +8015,7 @@
             <p:cNvPr id="44" name="Google Shape;2453;p11">
               <a:extLst>
                 <a:ext uri="{FF2B5EF4-FFF2-40B4-BE49-F238E27FC236}">
-                  <a16:creationId xmlns:a16="http://schemas.microsoft.com/office/drawing/2014/main" id="{614FA903-840D-3348-BDFD-CFA0313D7107}"/>
+                  <a16:creationId xmlns:a16="http://schemas.microsoft.com/office/drawing/2014/main" xmlns="" id="{614FA903-840D-3348-BDFD-CFA0313D7107}"/>
                 </a:ext>
               </a:extLst>
             </p:cNvPr>
@@ -8125,7 +8125,7 @@
             <p:cNvPr id="45" name="Google Shape;2454;p11">
               <a:extLst>
                 <a:ext uri="{FF2B5EF4-FFF2-40B4-BE49-F238E27FC236}">
-                  <a16:creationId xmlns:a16="http://schemas.microsoft.com/office/drawing/2014/main" id="{12F530A2-30A2-6548-A00E-9B98BCFF6088}"/>
+                  <a16:creationId xmlns:a16="http://schemas.microsoft.com/office/drawing/2014/main" xmlns="" id="{12F530A2-30A2-6548-A00E-9B98BCFF6088}"/>
                 </a:ext>
               </a:extLst>
             </p:cNvPr>
@@ -8238,7 +8238,7 @@
             <p:cNvPr id="46" name="Google Shape;2455;p11">
               <a:extLst>
                 <a:ext uri="{FF2B5EF4-FFF2-40B4-BE49-F238E27FC236}">
-                  <a16:creationId xmlns:a16="http://schemas.microsoft.com/office/drawing/2014/main" id="{66B254CD-1A4D-C24C-9650-DF6650158E8F}"/>
+                  <a16:creationId xmlns:a16="http://schemas.microsoft.com/office/drawing/2014/main" xmlns="" id="{66B254CD-1A4D-C24C-9650-DF6650158E8F}"/>
                 </a:ext>
               </a:extLst>
             </p:cNvPr>
@@ -8351,7 +8351,7 @@
             <p:cNvPr id="47" name="Google Shape;2456;p11">
               <a:extLst>
                 <a:ext uri="{FF2B5EF4-FFF2-40B4-BE49-F238E27FC236}">
-                  <a16:creationId xmlns:a16="http://schemas.microsoft.com/office/drawing/2014/main" id="{88742535-5D52-2042-AB66-CB2633503839}"/>
+                  <a16:creationId xmlns:a16="http://schemas.microsoft.com/office/drawing/2014/main" xmlns="" id="{88742535-5D52-2042-AB66-CB2633503839}"/>
                 </a:ext>
               </a:extLst>
             </p:cNvPr>
@@ -8464,7 +8464,7 @@
             <p:cNvPr id="48" name="Google Shape;2457;p11">
               <a:extLst>
                 <a:ext uri="{FF2B5EF4-FFF2-40B4-BE49-F238E27FC236}">
-                  <a16:creationId xmlns:a16="http://schemas.microsoft.com/office/drawing/2014/main" id="{D62B132D-CB18-194D-BD57-33430493328D}"/>
+                  <a16:creationId xmlns:a16="http://schemas.microsoft.com/office/drawing/2014/main" xmlns="" id="{D62B132D-CB18-194D-BD57-33430493328D}"/>
                 </a:ext>
               </a:extLst>
             </p:cNvPr>
@@ -8568,7 +8568,7 @@
             <p:cNvPr id="49" name="Google Shape;2458;p11">
               <a:extLst>
                 <a:ext uri="{FF2B5EF4-FFF2-40B4-BE49-F238E27FC236}">
-                  <a16:creationId xmlns:a16="http://schemas.microsoft.com/office/drawing/2014/main" id="{7C75464B-C7A1-A248-B9EF-EFD11A1CBF54}"/>
+                  <a16:creationId xmlns:a16="http://schemas.microsoft.com/office/drawing/2014/main" xmlns="" id="{7C75464B-C7A1-A248-B9EF-EFD11A1CBF54}"/>
                 </a:ext>
               </a:extLst>
             </p:cNvPr>
@@ -8673,7 +8673,7 @@
           <p:cNvPr id="50" name="Google Shape;2459;p11">
             <a:extLst>
               <a:ext uri="{FF2B5EF4-FFF2-40B4-BE49-F238E27FC236}">
-                <a16:creationId xmlns:a16="http://schemas.microsoft.com/office/drawing/2014/main" id="{6A305FCE-4182-144A-BDFD-76B1E7997B25}"/>
+                <a16:creationId xmlns:a16="http://schemas.microsoft.com/office/drawing/2014/main" xmlns="" id="{6A305FCE-4182-144A-BDFD-76B1E7997B25}"/>
               </a:ext>
             </a:extLst>
           </p:cNvPr>
@@ -8693,7 +8693,7 @@
             <p:cNvPr id="51" name="Google Shape;2460;p11">
               <a:extLst>
                 <a:ext uri="{FF2B5EF4-FFF2-40B4-BE49-F238E27FC236}">
-                  <a16:creationId xmlns:a16="http://schemas.microsoft.com/office/drawing/2014/main" id="{F3C90E62-0709-294D-A481-65220923FF1D}"/>
+                  <a16:creationId xmlns:a16="http://schemas.microsoft.com/office/drawing/2014/main" xmlns="" id="{F3C90E62-0709-294D-A481-65220923FF1D}"/>
                 </a:ext>
               </a:extLst>
             </p:cNvPr>
@@ -8854,7 +8854,7 @@
             <p:cNvPr id="52" name="Google Shape;2461;p11">
               <a:extLst>
                 <a:ext uri="{FF2B5EF4-FFF2-40B4-BE49-F238E27FC236}">
-                  <a16:creationId xmlns:a16="http://schemas.microsoft.com/office/drawing/2014/main" id="{27141DBD-07E7-AE47-B91F-02F6FFB70D1C}"/>
+                  <a16:creationId xmlns:a16="http://schemas.microsoft.com/office/drawing/2014/main" xmlns="" id="{27141DBD-07E7-AE47-B91F-02F6FFB70D1C}"/>
                 </a:ext>
               </a:extLst>
             </p:cNvPr>
@@ -9048,7 +9048,7 @@
             <p:cNvPr id="53" name="Google Shape;2462;p11">
               <a:extLst>
                 <a:ext uri="{FF2B5EF4-FFF2-40B4-BE49-F238E27FC236}">
-                  <a16:creationId xmlns:a16="http://schemas.microsoft.com/office/drawing/2014/main" id="{DB47E218-87ED-2B40-B9EA-6D32174AE501}"/>
+                  <a16:creationId xmlns:a16="http://schemas.microsoft.com/office/drawing/2014/main" xmlns="" id="{DB47E218-87ED-2B40-B9EA-6D32174AE501}"/>
                 </a:ext>
               </a:extLst>
             </p:cNvPr>
@@ -9245,7 +9245,7 @@
             <p:cNvPr id="54" name="Google Shape;2463;p11">
               <a:extLst>
                 <a:ext uri="{FF2B5EF4-FFF2-40B4-BE49-F238E27FC236}">
-                  <a16:creationId xmlns:a16="http://schemas.microsoft.com/office/drawing/2014/main" id="{0366ED5E-7421-9A4B-ADA0-8BEA573B2322}"/>
+                  <a16:creationId xmlns:a16="http://schemas.microsoft.com/office/drawing/2014/main" xmlns="" id="{0366ED5E-7421-9A4B-ADA0-8BEA573B2322}"/>
                 </a:ext>
               </a:extLst>
             </p:cNvPr>
@@ -9448,7 +9448,7 @@
             <p:cNvPr id="55" name="Google Shape;2464;p11">
               <a:extLst>
                 <a:ext uri="{FF2B5EF4-FFF2-40B4-BE49-F238E27FC236}">
-                  <a16:creationId xmlns:a16="http://schemas.microsoft.com/office/drawing/2014/main" id="{E5C8FF93-3E1A-C248-A114-8767D4E16778}"/>
+                  <a16:creationId xmlns:a16="http://schemas.microsoft.com/office/drawing/2014/main" xmlns="" id="{E5C8FF93-3E1A-C248-A114-8767D4E16778}"/>
                 </a:ext>
               </a:extLst>
             </p:cNvPr>
@@ -9651,7 +9651,7 @@
             <p:cNvPr id="56" name="Google Shape;2465;p11">
               <a:extLst>
                 <a:ext uri="{FF2B5EF4-FFF2-40B4-BE49-F238E27FC236}">
-                  <a16:creationId xmlns:a16="http://schemas.microsoft.com/office/drawing/2014/main" id="{4C656850-1B31-3D46-B439-0E2B182551B6}"/>
+                  <a16:creationId xmlns:a16="http://schemas.microsoft.com/office/drawing/2014/main" xmlns="" id="{4C656850-1B31-3D46-B439-0E2B182551B6}"/>
                 </a:ext>
               </a:extLst>
             </p:cNvPr>
@@ -9887,7 +9887,7 @@
             <p:cNvPr id="57" name="Google Shape;2466;p11">
               <a:extLst>
                 <a:ext uri="{FF2B5EF4-FFF2-40B4-BE49-F238E27FC236}">
-                  <a16:creationId xmlns:a16="http://schemas.microsoft.com/office/drawing/2014/main" id="{2381E5EE-E83F-2C4B-A604-E2296F9E10DC}"/>
+                  <a16:creationId xmlns:a16="http://schemas.microsoft.com/office/drawing/2014/main" xmlns="" id="{2381E5EE-E83F-2C4B-A604-E2296F9E10DC}"/>
                 </a:ext>
               </a:extLst>
             </p:cNvPr>
@@ -10012,7 +10012,7 @@
             <p:cNvPr id="58" name="Google Shape;2467;p11">
               <a:extLst>
                 <a:ext uri="{FF2B5EF4-FFF2-40B4-BE49-F238E27FC236}">
-                  <a16:creationId xmlns:a16="http://schemas.microsoft.com/office/drawing/2014/main" id="{DC90C412-9C66-F346-A725-8B98BCAC9861}"/>
+                  <a16:creationId xmlns:a16="http://schemas.microsoft.com/office/drawing/2014/main" xmlns="" id="{DC90C412-9C66-F346-A725-8B98BCAC9861}"/>
                 </a:ext>
               </a:extLst>
             </p:cNvPr>
@@ -10137,7 +10137,7 @@
             <p:cNvPr id="59" name="Google Shape;2468;p11">
               <a:extLst>
                 <a:ext uri="{FF2B5EF4-FFF2-40B4-BE49-F238E27FC236}">
-                  <a16:creationId xmlns:a16="http://schemas.microsoft.com/office/drawing/2014/main" id="{7A8C9FB8-9EE4-7449-B229-BC57C03E0A05}"/>
+                  <a16:creationId xmlns:a16="http://schemas.microsoft.com/office/drawing/2014/main" xmlns="" id="{7A8C9FB8-9EE4-7449-B229-BC57C03E0A05}"/>
                 </a:ext>
               </a:extLst>
             </p:cNvPr>
@@ -10340,7 +10340,7 @@
             <p:cNvPr id="60" name="Google Shape;2469;p11">
               <a:extLst>
                 <a:ext uri="{FF2B5EF4-FFF2-40B4-BE49-F238E27FC236}">
-                  <a16:creationId xmlns:a16="http://schemas.microsoft.com/office/drawing/2014/main" id="{FB208A6E-57A8-2143-919D-64498D88AB81}"/>
+                  <a16:creationId xmlns:a16="http://schemas.microsoft.com/office/drawing/2014/main" xmlns="" id="{FB208A6E-57A8-2143-919D-64498D88AB81}"/>
                 </a:ext>
               </a:extLst>
             </p:cNvPr>
@@ -10486,7 +10486,7 @@
             <p:cNvPr id="61" name="Google Shape;2470;p11">
               <a:extLst>
                 <a:ext uri="{FF2B5EF4-FFF2-40B4-BE49-F238E27FC236}">
-                  <a16:creationId xmlns:a16="http://schemas.microsoft.com/office/drawing/2014/main" id="{F253A20C-0E9B-A740-AD53-6F87ECAD0FE5}"/>
+                  <a16:creationId xmlns:a16="http://schemas.microsoft.com/office/drawing/2014/main" xmlns="" id="{F253A20C-0E9B-A740-AD53-6F87ECAD0FE5}"/>
                 </a:ext>
               </a:extLst>
             </p:cNvPr>
@@ -10692,7 +10692,7 @@
             <p:cNvPr id="62" name="Google Shape;2471;p11">
               <a:extLst>
                 <a:ext uri="{FF2B5EF4-FFF2-40B4-BE49-F238E27FC236}">
-                  <a16:creationId xmlns:a16="http://schemas.microsoft.com/office/drawing/2014/main" id="{712B5879-3C58-1641-8A19-324F46FCA394}"/>
+                  <a16:creationId xmlns:a16="http://schemas.microsoft.com/office/drawing/2014/main" xmlns="" id="{712B5879-3C58-1641-8A19-324F46FCA394}"/>
                 </a:ext>
               </a:extLst>
             </p:cNvPr>
@@ -10904,7 +10904,7 @@
             <p:cNvPr id="63" name="Google Shape;2472;p11">
               <a:extLst>
                 <a:ext uri="{FF2B5EF4-FFF2-40B4-BE49-F238E27FC236}">
-                  <a16:creationId xmlns:a16="http://schemas.microsoft.com/office/drawing/2014/main" id="{68D4215D-39C9-7944-8E0A-A4CBFA8DEC5F}"/>
+                  <a16:creationId xmlns:a16="http://schemas.microsoft.com/office/drawing/2014/main" xmlns="" id="{68D4215D-39C9-7944-8E0A-A4CBFA8DEC5F}"/>
                 </a:ext>
               </a:extLst>
             </p:cNvPr>
@@ -11101,7 +11101,7 @@
             <p:cNvPr id="64" name="Google Shape;2473;p11">
               <a:extLst>
                 <a:ext uri="{FF2B5EF4-FFF2-40B4-BE49-F238E27FC236}">
-                  <a16:creationId xmlns:a16="http://schemas.microsoft.com/office/drawing/2014/main" id="{F2F2C1EE-845E-9045-9284-F8339A34690C}"/>
+                  <a16:creationId xmlns:a16="http://schemas.microsoft.com/office/drawing/2014/main" xmlns="" id="{F2F2C1EE-845E-9045-9284-F8339A34690C}"/>
                 </a:ext>
               </a:extLst>
             </p:cNvPr>
@@ -11301,7 +11301,7 @@
             <p:cNvPr id="65" name="Google Shape;2474;p11">
               <a:extLst>
                 <a:ext uri="{FF2B5EF4-FFF2-40B4-BE49-F238E27FC236}">
-                  <a16:creationId xmlns:a16="http://schemas.microsoft.com/office/drawing/2014/main" id="{DEB7360E-8C43-BE40-8589-208EFA8212ED}"/>
+                  <a16:creationId xmlns:a16="http://schemas.microsoft.com/office/drawing/2014/main" xmlns="" id="{DEB7360E-8C43-BE40-8589-208EFA8212ED}"/>
                 </a:ext>
               </a:extLst>
             </p:cNvPr>
@@ -11486,7 +11486,7 @@
             <p:cNvPr id="66" name="Google Shape;2475;p11">
               <a:extLst>
                 <a:ext uri="{FF2B5EF4-FFF2-40B4-BE49-F238E27FC236}">
-                  <a16:creationId xmlns:a16="http://schemas.microsoft.com/office/drawing/2014/main" id="{47B18688-808F-A749-BE9A-5FCB9DAE80D6}"/>
+                  <a16:creationId xmlns:a16="http://schemas.microsoft.com/office/drawing/2014/main" xmlns="" id="{47B18688-808F-A749-BE9A-5FCB9DAE80D6}"/>
                 </a:ext>
               </a:extLst>
             </p:cNvPr>
@@ -11653,7 +11653,7 @@
             <p:cNvPr id="67" name="Google Shape;2476;p11">
               <a:extLst>
                 <a:ext uri="{FF2B5EF4-FFF2-40B4-BE49-F238E27FC236}">
-                  <a16:creationId xmlns:a16="http://schemas.microsoft.com/office/drawing/2014/main" id="{3A05CF42-8787-6C43-819E-8B1D9CE4F39F}"/>
+                  <a16:creationId xmlns:a16="http://schemas.microsoft.com/office/drawing/2014/main" xmlns="" id="{3A05CF42-8787-6C43-819E-8B1D9CE4F39F}"/>
                 </a:ext>
               </a:extLst>
             </p:cNvPr>
@@ -11839,7 +11839,7 @@
           <p:cNvPr id="68" name="Google Shape;2477;p11">
             <a:extLst>
               <a:ext uri="{FF2B5EF4-FFF2-40B4-BE49-F238E27FC236}">
-                <a16:creationId xmlns:a16="http://schemas.microsoft.com/office/drawing/2014/main" id="{5FD353AA-D691-4D42-98E9-9176FD48A879}"/>
+                <a16:creationId xmlns:a16="http://schemas.microsoft.com/office/drawing/2014/main" xmlns="" id="{5FD353AA-D691-4D42-98E9-9176FD48A879}"/>
               </a:ext>
             </a:extLst>
           </p:cNvPr>
@@ -11859,7 +11859,7 @@
             <p:cNvPr id="69" name="Google Shape;2478;p11">
               <a:extLst>
                 <a:ext uri="{FF2B5EF4-FFF2-40B4-BE49-F238E27FC236}">
-                  <a16:creationId xmlns:a16="http://schemas.microsoft.com/office/drawing/2014/main" id="{E6BA4903-0C68-854F-A237-D5CC916302FF}"/>
+                  <a16:creationId xmlns:a16="http://schemas.microsoft.com/office/drawing/2014/main" xmlns="" id="{E6BA4903-0C68-854F-A237-D5CC916302FF}"/>
                 </a:ext>
               </a:extLst>
             </p:cNvPr>
@@ -11945,7 +11945,7 @@
             <p:cNvPr id="70" name="Google Shape;2479;p11">
               <a:extLst>
                 <a:ext uri="{FF2B5EF4-FFF2-40B4-BE49-F238E27FC236}">
-                  <a16:creationId xmlns:a16="http://schemas.microsoft.com/office/drawing/2014/main" id="{F926E158-DDEB-9449-871D-71D9531C4685}"/>
+                  <a16:creationId xmlns:a16="http://schemas.microsoft.com/office/drawing/2014/main" xmlns="" id="{F926E158-DDEB-9449-871D-71D9531C4685}"/>
                 </a:ext>
               </a:extLst>
             </p:cNvPr>
@@ -12073,7 +12073,7 @@
             <p:cNvPr id="71" name="Google Shape;2480;p11">
               <a:extLst>
                 <a:ext uri="{FF2B5EF4-FFF2-40B4-BE49-F238E27FC236}">
-                  <a16:creationId xmlns:a16="http://schemas.microsoft.com/office/drawing/2014/main" id="{BABE6597-1F30-AC4B-A594-1B3B7093CE81}"/>
+                  <a16:creationId xmlns:a16="http://schemas.microsoft.com/office/drawing/2014/main" xmlns="" id="{BABE6597-1F30-AC4B-A594-1B3B7093CE81}"/>
                 </a:ext>
               </a:extLst>
             </p:cNvPr>
@@ -12261,7 +12261,7 @@
             <p:cNvPr id="72" name="Google Shape;2481;p11">
               <a:extLst>
                 <a:ext uri="{FF2B5EF4-FFF2-40B4-BE49-F238E27FC236}">
-                  <a16:creationId xmlns:a16="http://schemas.microsoft.com/office/drawing/2014/main" id="{00EC7942-CA75-904C-B745-01A93D87BED6}"/>
+                  <a16:creationId xmlns:a16="http://schemas.microsoft.com/office/drawing/2014/main" xmlns="" id="{00EC7942-CA75-904C-B745-01A93D87BED6}"/>
                 </a:ext>
               </a:extLst>
             </p:cNvPr>
@@ -12449,7 +12449,7 @@
             <p:cNvPr id="73" name="Google Shape;2482;p11">
               <a:extLst>
                 <a:ext uri="{FF2B5EF4-FFF2-40B4-BE49-F238E27FC236}">
-                  <a16:creationId xmlns:a16="http://schemas.microsoft.com/office/drawing/2014/main" id="{3025D8BE-6F07-3F49-A10A-36743C9561B4}"/>
+                  <a16:creationId xmlns:a16="http://schemas.microsoft.com/office/drawing/2014/main" xmlns="" id="{3025D8BE-6F07-3F49-A10A-36743C9561B4}"/>
                 </a:ext>
               </a:extLst>
             </p:cNvPr>
@@ -12661,7 +12661,7 @@
             <p:cNvPr id="74" name="Google Shape;2483;p11">
               <a:extLst>
                 <a:ext uri="{FF2B5EF4-FFF2-40B4-BE49-F238E27FC236}">
-                  <a16:creationId xmlns:a16="http://schemas.microsoft.com/office/drawing/2014/main" id="{DA44F572-4842-4748-9F16-4F272AC3939D}"/>
+                  <a16:creationId xmlns:a16="http://schemas.microsoft.com/office/drawing/2014/main" xmlns="" id="{DA44F572-4842-4748-9F16-4F272AC3939D}"/>
                 </a:ext>
               </a:extLst>
             </p:cNvPr>
@@ -12873,7 +12873,7 @@
             <p:cNvPr id="75" name="Google Shape;2484;p11">
               <a:extLst>
                 <a:ext uri="{FF2B5EF4-FFF2-40B4-BE49-F238E27FC236}">
-                  <a16:creationId xmlns:a16="http://schemas.microsoft.com/office/drawing/2014/main" id="{E1CC4534-C4AD-684E-8DAD-43C935BFD942}"/>
+                  <a16:creationId xmlns:a16="http://schemas.microsoft.com/office/drawing/2014/main" xmlns="" id="{E1CC4534-C4AD-684E-8DAD-43C935BFD942}"/>
                 </a:ext>
               </a:extLst>
             </p:cNvPr>
@@ -13085,7 +13085,7 @@
             <p:cNvPr id="76" name="Google Shape;2485;p11">
               <a:extLst>
                 <a:ext uri="{FF2B5EF4-FFF2-40B4-BE49-F238E27FC236}">
-                  <a16:creationId xmlns:a16="http://schemas.microsoft.com/office/drawing/2014/main" id="{FF644BF1-CB7E-1A41-948C-111D02169B53}"/>
+                  <a16:creationId xmlns:a16="http://schemas.microsoft.com/office/drawing/2014/main" xmlns="" id="{FF644BF1-CB7E-1A41-948C-111D02169B53}"/>
                 </a:ext>
               </a:extLst>
             </p:cNvPr>
@@ -13297,7 +13297,7 @@
             <p:cNvPr id="77" name="Google Shape;2486;p11">
               <a:extLst>
                 <a:ext uri="{FF2B5EF4-FFF2-40B4-BE49-F238E27FC236}">
-                  <a16:creationId xmlns:a16="http://schemas.microsoft.com/office/drawing/2014/main" id="{9D599A4E-4FEF-554D-A90F-EE1C2D7DA7C2}"/>
+                  <a16:creationId xmlns:a16="http://schemas.microsoft.com/office/drawing/2014/main" xmlns="" id="{9D599A4E-4FEF-554D-A90F-EE1C2D7DA7C2}"/>
                 </a:ext>
               </a:extLst>
             </p:cNvPr>
@@ -13464,7 +13464,7 @@
             <p:cNvPr id="78" name="Google Shape;2487;p11">
               <a:extLst>
                 <a:ext uri="{FF2B5EF4-FFF2-40B4-BE49-F238E27FC236}">
-                  <a16:creationId xmlns:a16="http://schemas.microsoft.com/office/drawing/2014/main" id="{29430896-27D8-BD48-B848-0309EE45CCFB}"/>
+                  <a16:creationId xmlns:a16="http://schemas.microsoft.com/office/drawing/2014/main" xmlns="" id="{29430896-27D8-BD48-B848-0309EE45CCFB}"/>
                 </a:ext>
               </a:extLst>
             </p:cNvPr>
@@ -13631,7 +13631,7 @@
             <p:cNvPr id="79" name="Google Shape;2488;p11">
               <a:extLst>
                 <a:ext uri="{FF2B5EF4-FFF2-40B4-BE49-F238E27FC236}">
-                  <a16:creationId xmlns:a16="http://schemas.microsoft.com/office/drawing/2014/main" id="{2DB1D875-947E-754B-84DF-047A861A8AEA}"/>
+                  <a16:creationId xmlns:a16="http://schemas.microsoft.com/office/drawing/2014/main" xmlns="" id="{2DB1D875-947E-754B-84DF-047A861A8AEA}"/>
                 </a:ext>
               </a:extLst>
             </p:cNvPr>
@@ -13798,7 +13798,7 @@
             <p:cNvPr id="80" name="Google Shape;2489;p11">
               <a:extLst>
                 <a:ext uri="{FF2B5EF4-FFF2-40B4-BE49-F238E27FC236}">
-                  <a16:creationId xmlns:a16="http://schemas.microsoft.com/office/drawing/2014/main" id="{8AD6E4D9-EA61-754F-9665-60FAC9EA9606}"/>
+                  <a16:creationId xmlns:a16="http://schemas.microsoft.com/office/drawing/2014/main" xmlns="" id="{8AD6E4D9-EA61-754F-9665-60FAC9EA9606}"/>
                 </a:ext>
               </a:extLst>
             </p:cNvPr>
@@ -13965,7 +13965,7 @@
             <p:cNvPr id="81" name="Google Shape;2490;p11">
               <a:extLst>
                 <a:ext uri="{FF2B5EF4-FFF2-40B4-BE49-F238E27FC236}">
-                  <a16:creationId xmlns:a16="http://schemas.microsoft.com/office/drawing/2014/main" id="{676B49E4-7E43-B147-B79F-80B8ADE3AA51}"/>
+                  <a16:creationId xmlns:a16="http://schemas.microsoft.com/office/drawing/2014/main" xmlns="" id="{676B49E4-7E43-B147-B79F-80B8ADE3AA51}"/>
                 </a:ext>
               </a:extLst>
             </p:cNvPr>
@@ -14102,7 +14102,7 @@
             <p:cNvPr id="82" name="Google Shape;2491;p11">
               <a:extLst>
                 <a:ext uri="{FF2B5EF4-FFF2-40B4-BE49-F238E27FC236}">
-                  <a16:creationId xmlns:a16="http://schemas.microsoft.com/office/drawing/2014/main" id="{CEEB0785-9865-604E-B2F4-9411BCDB97B6}"/>
+                  <a16:creationId xmlns:a16="http://schemas.microsoft.com/office/drawing/2014/main" xmlns="" id="{CEEB0785-9865-604E-B2F4-9411BCDB97B6}"/>
                 </a:ext>
               </a:extLst>
             </p:cNvPr>
@@ -14239,7 +14239,7 @@
             <p:cNvPr id="83" name="Google Shape;2492;p11">
               <a:extLst>
                 <a:ext uri="{FF2B5EF4-FFF2-40B4-BE49-F238E27FC236}">
-                  <a16:creationId xmlns:a16="http://schemas.microsoft.com/office/drawing/2014/main" id="{50468208-819C-C744-AC7C-ADA48AD44E48}"/>
+                  <a16:creationId xmlns:a16="http://schemas.microsoft.com/office/drawing/2014/main" xmlns="" id="{50468208-819C-C744-AC7C-ADA48AD44E48}"/>
                 </a:ext>
               </a:extLst>
             </p:cNvPr>
@@ -14376,7 +14376,7 @@
             <p:cNvPr id="84" name="Google Shape;2493;p11">
               <a:extLst>
                 <a:ext uri="{FF2B5EF4-FFF2-40B4-BE49-F238E27FC236}">
-                  <a16:creationId xmlns:a16="http://schemas.microsoft.com/office/drawing/2014/main" id="{839435BA-3B3C-B346-BFA2-0A855273C2C4}"/>
+                  <a16:creationId xmlns:a16="http://schemas.microsoft.com/office/drawing/2014/main" xmlns="" id="{839435BA-3B3C-B346-BFA2-0A855273C2C4}"/>
                 </a:ext>
               </a:extLst>
             </p:cNvPr>
@@ -14513,7 +14513,7 @@
             <p:cNvPr id="85" name="Google Shape;2494;p11">
               <a:extLst>
                 <a:ext uri="{FF2B5EF4-FFF2-40B4-BE49-F238E27FC236}">
-                  <a16:creationId xmlns:a16="http://schemas.microsoft.com/office/drawing/2014/main" id="{ED8E2A31-BBC4-AC44-833C-93988D1F758D}"/>
+                  <a16:creationId xmlns:a16="http://schemas.microsoft.com/office/drawing/2014/main" xmlns="" id="{ED8E2A31-BBC4-AC44-833C-93988D1F758D}"/>
                 </a:ext>
               </a:extLst>
             </p:cNvPr>
@@ -14650,7 +14650,7 @@
             <p:cNvPr id="86" name="Google Shape;2495;p11">
               <a:extLst>
                 <a:ext uri="{FF2B5EF4-FFF2-40B4-BE49-F238E27FC236}">
-                  <a16:creationId xmlns:a16="http://schemas.microsoft.com/office/drawing/2014/main" id="{AD1C671C-F9D5-364F-8221-18C803E38D78}"/>
+                  <a16:creationId xmlns:a16="http://schemas.microsoft.com/office/drawing/2014/main" xmlns="" id="{AD1C671C-F9D5-364F-8221-18C803E38D78}"/>
                 </a:ext>
               </a:extLst>
             </p:cNvPr>
@@ -14790,7 +14790,7 @@
             <p:cNvPr id="87" name="Google Shape;2496;p11">
               <a:extLst>
                 <a:ext uri="{FF2B5EF4-FFF2-40B4-BE49-F238E27FC236}">
-                  <a16:creationId xmlns:a16="http://schemas.microsoft.com/office/drawing/2014/main" id="{39918585-1D0D-EA48-85A2-D495772BA4BE}"/>
+                  <a16:creationId xmlns:a16="http://schemas.microsoft.com/office/drawing/2014/main" xmlns="" id="{39918585-1D0D-EA48-85A2-D495772BA4BE}"/>
                 </a:ext>
               </a:extLst>
             </p:cNvPr>
@@ -14876,7 +14876,7 @@
             <p:cNvPr id="88" name="Google Shape;2497;p11">
               <a:extLst>
                 <a:ext uri="{FF2B5EF4-FFF2-40B4-BE49-F238E27FC236}">
-                  <a16:creationId xmlns:a16="http://schemas.microsoft.com/office/drawing/2014/main" id="{A692527F-3A18-0446-AA2F-E7C51DA24D6D}"/>
+                  <a16:creationId xmlns:a16="http://schemas.microsoft.com/office/drawing/2014/main" xmlns="" id="{A692527F-3A18-0446-AA2F-E7C51DA24D6D}"/>
                 </a:ext>
               </a:extLst>
             </p:cNvPr>
@@ -14959,7 +14959,7 @@
             <p:cNvPr id="89" name="Google Shape;2498;p11">
               <a:extLst>
                 <a:ext uri="{FF2B5EF4-FFF2-40B4-BE49-F238E27FC236}">
-                  <a16:creationId xmlns:a16="http://schemas.microsoft.com/office/drawing/2014/main" id="{C7020E79-BA93-804E-85D6-DF367F29C1A7}"/>
+                  <a16:creationId xmlns:a16="http://schemas.microsoft.com/office/drawing/2014/main" xmlns="" id="{C7020E79-BA93-804E-85D6-DF367F29C1A7}"/>
                 </a:ext>
               </a:extLst>
             </p:cNvPr>
@@ -15042,7 +15042,7 @@
             <p:cNvPr id="90" name="Google Shape;2499;p11">
               <a:extLst>
                 <a:ext uri="{FF2B5EF4-FFF2-40B4-BE49-F238E27FC236}">
-                  <a16:creationId xmlns:a16="http://schemas.microsoft.com/office/drawing/2014/main" id="{828E2540-DAEC-A94D-9DA3-CE972BF441BD}"/>
+                  <a16:creationId xmlns:a16="http://schemas.microsoft.com/office/drawing/2014/main" xmlns="" id="{828E2540-DAEC-A94D-9DA3-CE972BF441BD}"/>
                 </a:ext>
               </a:extLst>
             </p:cNvPr>
@@ -15209,7 +15209,7 @@
             <p:cNvPr id="91" name="Google Shape;2500;p11">
               <a:extLst>
                 <a:ext uri="{FF2B5EF4-FFF2-40B4-BE49-F238E27FC236}">
-                  <a16:creationId xmlns:a16="http://schemas.microsoft.com/office/drawing/2014/main" id="{A48D50AB-F305-B242-A92A-A409DAD69BBE}"/>
+                  <a16:creationId xmlns:a16="http://schemas.microsoft.com/office/drawing/2014/main" xmlns="" id="{A48D50AB-F305-B242-A92A-A409DAD69BBE}"/>
                 </a:ext>
               </a:extLst>
             </p:cNvPr>
@@ -15376,7 +15376,7 @@
             <p:cNvPr id="92" name="Google Shape;2501;p11">
               <a:extLst>
                 <a:ext uri="{FF2B5EF4-FFF2-40B4-BE49-F238E27FC236}">
-                  <a16:creationId xmlns:a16="http://schemas.microsoft.com/office/drawing/2014/main" id="{37003A86-AE09-5F41-9AFE-17DD1B7876F2}"/>
+                  <a16:creationId xmlns:a16="http://schemas.microsoft.com/office/drawing/2014/main" xmlns="" id="{37003A86-AE09-5F41-9AFE-17DD1B7876F2}"/>
                 </a:ext>
               </a:extLst>
             </p:cNvPr>
@@ -15543,7 +15543,7 @@
             <p:cNvPr id="93" name="Google Shape;2502;p11">
               <a:extLst>
                 <a:ext uri="{FF2B5EF4-FFF2-40B4-BE49-F238E27FC236}">
-                  <a16:creationId xmlns:a16="http://schemas.microsoft.com/office/drawing/2014/main" id="{B22C1D2F-DB94-FA4D-8B94-F8E269032FF8}"/>
+                  <a16:creationId xmlns:a16="http://schemas.microsoft.com/office/drawing/2014/main" xmlns="" id="{B22C1D2F-DB94-FA4D-8B94-F8E269032FF8}"/>
                 </a:ext>
               </a:extLst>
             </p:cNvPr>
@@ -15710,7 +15710,7 @@
             <p:cNvPr id="94" name="Google Shape;2503;p11">
               <a:extLst>
                 <a:ext uri="{FF2B5EF4-FFF2-40B4-BE49-F238E27FC236}">
-                  <a16:creationId xmlns:a16="http://schemas.microsoft.com/office/drawing/2014/main" id="{5DFD610B-631D-B04A-93E5-481943A2A29E}"/>
+                  <a16:creationId xmlns:a16="http://schemas.microsoft.com/office/drawing/2014/main" xmlns="" id="{5DFD610B-631D-B04A-93E5-481943A2A29E}"/>
                 </a:ext>
               </a:extLst>
             </p:cNvPr>
@@ -15824,7 +15824,7 @@
           <p:cNvPr id="5" name="Picture 2" descr="Image result for Q&amp;A">
             <a:extLst>
               <a:ext uri="{FF2B5EF4-FFF2-40B4-BE49-F238E27FC236}">
-                <a16:creationId xmlns:a16="http://schemas.microsoft.com/office/drawing/2014/main" id="{4EFD41B2-4845-EB4D-9781-85BBC8E5F491}"/>
+                <a16:creationId xmlns:a16="http://schemas.microsoft.com/office/drawing/2014/main" xmlns="" id="{4EFD41B2-4845-EB4D-9781-85BBC8E5F491}"/>
               </a:ext>
             </a:extLst>
           </p:cNvPr>
@@ -15901,7 +15901,7 @@
           <p:cNvPr id="4" name="Picture 3">
             <a:extLst>
               <a:ext uri="{FF2B5EF4-FFF2-40B4-BE49-F238E27FC236}">
-                <a16:creationId xmlns:a16="http://schemas.microsoft.com/office/drawing/2014/main" id="{1DC6B738-C26D-174A-A696-752E96A5D57C}"/>
+                <a16:creationId xmlns:a16="http://schemas.microsoft.com/office/drawing/2014/main" xmlns="" id="{1DC6B738-C26D-174A-A696-752E96A5D57C}"/>
               </a:ext>
             </a:extLst>
           </p:cNvPr>
@@ -15931,7 +15931,7 @@
           <p:cNvPr id="2" name="Title 1">
             <a:extLst>
               <a:ext uri="{FF2B5EF4-FFF2-40B4-BE49-F238E27FC236}">
-                <a16:creationId xmlns:a16="http://schemas.microsoft.com/office/drawing/2014/main" id="{89552239-1D18-5948-BF41-3CD2EBADD17E}"/>
+                <a16:creationId xmlns:a16="http://schemas.microsoft.com/office/drawing/2014/main" xmlns="" id="{89552239-1D18-5948-BF41-3CD2EBADD17E}"/>
               </a:ext>
             </a:extLst>
           </p:cNvPr>
@@ -15959,7 +15959,7 @@
           <p:cNvPr id="3" name="Content Placeholder 2">
             <a:extLst>
               <a:ext uri="{FF2B5EF4-FFF2-40B4-BE49-F238E27FC236}">
-                <a16:creationId xmlns:a16="http://schemas.microsoft.com/office/drawing/2014/main" id="{95A1BA4B-C93B-AB4E-9C78-C867289581AE}"/>
+                <a16:creationId xmlns:a16="http://schemas.microsoft.com/office/drawing/2014/main" xmlns="" id="{95A1BA4B-C93B-AB4E-9C78-C867289581AE}"/>
               </a:ext>
             </a:extLst>
           </p:cNvPr>
@@ -16092,7 +16092,7 @@
           <p:cNvPr id="5" name="Content Placeholder 2">
             <a:extLst>
               <a:ext uri="{FF2B5EF4-FFF2-40B4-BE49-F238E27FC236}">
-                <a16:creationId xmlns:a16="http://schemas.microsoft.com/office/drawing/2014/main" id="{5BD0B478-CDBC-2D48-A2D4-9D557A0DB167}"/>
+                <a16:creationId xmlns:a16="http://schemas.microsoft.com/office/drawing/2014/main" xmlns="" id="{5BD0B478-CDBC-2D48-A2D4-9D557A0DB167}"/>
               </a:ext>
             </a:extLst>
           </p:cNvPr>
@@ -16293,7 +16293,7 @@
           <p:cNvPr id="7" name="Content Placeholder 2">
             <a:extLst>
               <a:ext uri="{FF2B5EF4-FFF2-40B4-BE49-F238E27FC236}">
-                <a16:creationId xmlns:a16="http://schemas.microsoft.com/office/drawing/2014/main" id="{8B0B0BDF-E2FA-7943-8F3C-E2FFBAFB67DB}"/>
+                <a16:creationId xmlns:a16="http://schemas.microsoft.com/office/drawing/2014/main" xmlns="" id="{8B0B0BDF-E2FA-7943-8F3C-E2FFBAFB67DB}"/>
               </a:ext>
             </a:extLst>
           </p:cNvPr>
@@ -16498,7 +16498,7 @@
           <p:cNvPr id="2" name="Title 1">
             <a:extLst>
               <a:ext uri="{FF2B5EF4-FFF2-40B4-BE49-F238E27FC236}">
-                <a16:creationId xmlns:a16="http://schemas.microsoft.com/office/drawing/2014/main" id="{89EB878B-3B50-1840-8DA2-A379B5065B05}"/>
+                <a16:creationId xmlns:a16="http://schemas.microsoft.com/office/drawing/2014/main" xmlns="" id="{89EB878B-3B50-1840-8DA2-A379B5065B05}"/>
               </a:ext>
             </a:extLst>
           </p:cNvPr>
@@ -16535,7 +16535,7 @@
           <p:cNvPr id="4" name="Picture 3">
             <a:extLst>
               <a:ext uri="{FF2B5EF4-FFF2-40B4-BE49-F238E27FC236}">
-                <a16:creationId xmlns:a16="http://schemas.microsoft.com/office/drawing/2014/main" id="{BE4A4A5C-94EC-A640-BA7B-8634FAD00F03}"/>
+                <a16:creationId xmlns:a16="http://schemas.microsoft.com/office/drawing/2014/main" xmlns="" id="{BE4A4A5C-94EC-A640-BA7B-8634FAD00F03}"/>
               </a:ext>
             </a:extLst>
           </p:cNvPr>
@@ -16565,7 +16565,7 @@
           <p:cNvPr id="5" name="TextBox 4">
             <a:extLst>
               <a:ext uri="{FF2B5EF4-FFF2-40B4-BE49-F238E27FC236}">
-                <a16:creationId xmlns:a16="http://schemas.microsoft.com/office/drawing/2014/main" id="{ECC6B021-82FE-4F0E-A349-8B93F91A05C7}"/>
+                <a16:creationId xmlns:a16="http://schemas.microsoft.com/office/drawing/2014/main" xmlns="" id="{ECC6B021-82FE-4F0E-A349-8B93F91A05C7}"/>
               </a:ext>
             </a:extLst>
           </p:cNvPr>
@@ -16656,7 +16656,7 @@
           <p:cNvPr id="2" name="Title 1">
             <a:extLst>
               <a:ext uri="{FF2B5EF4-FFF2-40B4-BE49-F238E27FC236}">
-                <a16:creationId xmlns:a16="http://schemas.microsoft.com/office/drawing/2014/main" id="{89EB878B-3B50-1840-8DA2-A379B5065B05}"/>
+                <a16:creationId xmlns:a16="http://schemas.microsoft.com/office/drawing/2014/main" xmlns="" id="{89EB878B-3B50-1840-8DA2-A379B5065B05}"/>
               </a:ext>
             </a:extLst>
           </p:cNvPr>
@@ -16687,7 +16687,7 @@
           <p:cNvPr id="7" name="Content Placeholder 6">
             <a:extLst>
               <a:ext uri="{FF2B5EF4-FFF2-40B4-BE49-F238E27FC236}">
-                <a16:creationId xmlns:a16="http://schemas.microsoft.com/office/drawing/2014/main" id="{619CA4FE-FDB9-2C4E-8CF4-9AB5277553FC}"/>
+                <a16:creationId xmlns:a16="http://schemas.microsoft.com/office/drawing/2014/main" xmlns="" id="{619CA4FE-FDB9-2C4E-8CF4-9AB5277553FC}"/>
               </a:ext>
             </a:extLst>
           </p:cNvPr>
@@ -16814,7 +16814,7 @@
           <p:cNvPr id="2" name="Title 1">
             <a:extLst>
               <a:ext uri="{FF2B5EF4-FFF2-40B4-BE49-F238E27FC236}">
-                <a16:creationId xmlns:a16="http://schemas.microsoft.com/office/drawing/2014/main" id="{89EB878B-3B50-1840-8DA2-A379B5065B05}"/>
+                <a16:creationId xmlns:a16="http://schemas.microsoft.com/office/drawing/2014/main" xmlns="" id="{89EB878B-3B50-1840-8DA2-A379B5065B05}"/>
               </a:ext>
             </a:extLst>
           </p:cNvPr>
@@ -16845,7 +16845,7 @@
           <p:cNvPr id="5" name="Picture 4">
             <a:extLst>
               <a:ext uri="{FF2B5EF4-FFF2-40B4-BE49-F238E27FC236}">
-                <a16:creationId xmlns:a16="http://schemas.microsoft.com/office/drawing/2014/main" id="{141B9382-EB81-8F4B-9712-5B58C4D56469}"/>
+                <a16:creationId xmlns:a16="http://schemas.microsoft.com/office/drawing/2014/main" xmlns="" id="{141B9382-EB81-8F4B-9712-5B58C4D56469}"/>
               </a:ext>
             </a:extLst>
           </p:cNvPr>
@@ -16875,7 +16875,7 @@
           <p:cNvPr id="6" name="TextBox 5">
             <a:extLst>
               <a:ext uri="{FF2B5EF4-FFF2-40B4-BE49-F238E27FC236}">
-                <a16:creationId xmlns:a16="http://schemas.microsoft.com/office/drawing/2014/main" id="{C3EECDA2-B6AF-456D-A597-9120F943ADA7}"/>
+                <a16:creationId xmlns:a16="http://schemas.microsoft.com/office/drawing/2014/main" xmlns="" id="{C3EECDA2-B6AF-456D-A597-9120F943ADA7}"/>
               </a:ext>
             </a:extLst>
           </p:cNvPr>
@@ -16941,7 +16941,7 @@
           <p:cNvPr id="2" name="Title 1">
             <a:extLst>
               <a:ext uri="{FF2B5EF4-FFF2-40B4-BE49-F238E27FC236}">
-                <a16:creationId xmlns:a16="http://schemas.microsoft.com/office/drawing/2014/main" id="{89EB878B-3B50-1840-8DA2-A379B5065B05}"/>
+                <a16:creationId xmlns:a16="http://schemas.microsoft.com/office/drawing/2014/main" xmlns="" id="{89EB878B-3B50-1840-8DA2-A379B5065B05}"/>
               </a:ext>
             </a:extLst>
           </p:cNvPr>
@@ -16972,7 +16972,7 @@
           <p:cNvPr id="4" name="Picture 3">
             <a:extLst>
               <a:ext uri="{FF2B5EF4-FFF2-40B4-BE49-F238E27FC236}">
-                <a16:creationId xmlns:a16="http://schemas.microsoft.com/office/drawing/2014/main" id="{9BD2A871-8431-0543-9F00-1E69A6C7533E}"/>
+                <a16:creationId xmlns:a16="http://schemas.microsoft.com/office/drawing/2014/main" xmlns="" id="{9BD2A871-8431-0543-9F00-1E69A6C7533E}"/>
               </a:ext>
             </a:extLst>
           </p:cNvPr>
@@ -17002,7 +17002,7 @@
           <p:cNvPr id="5" name="TextBox 4">
             <a:extLst>
               <a:ext uri="{FF2B5EF4-FFF2-40B4-BE49-F238E27FC236}">
-                <a16:creationId xmlns:a16="http://schemas.microsoft.com/office/drawing/2014/main" id="{6E1FB0DF-BEC7-428E-8E37-B3304B52B597}"/>
+                <a16:creationId xmlns:a16="http://schemas.microsoft.com/office/drawing/2014/main" xmlns="" id="{6E1FB0DF-BEC7-428E-8E37-B3304B52B597}"/>
               </a:ext>
             </a:extLst>
           </p:cNvPr>
@@ -17067,7 +17067,7 @@
           <p:cNvPr id="2" name="Title 1">
             <a:extLst>
               <a:ext uri="{FF2B5EF4-FFF2-40B4-BE49-F238E27FC236}">
-                <a16:creationId xmlns:a16="http://schemas.microsoft.com/office/drawing/2014/main" id="{766B7B69-954D-3D4D-9E9D-CCED46E98B09}"/>
+                <a16:creationId xmlns:a16="http://schemas.microsoft.com/office/drawing/2014/main" xmlns="" id="{766B7B69-954D-3D4D-9E9D-CCED46E98B09}"/>
               </a:ext>
             </a:extLst>
           </p:cNvPr>
@@ -17097,7 +17097,7 @@
           <p:cNvPr id="3" name="Picture 2">
             <a:extLst>
               <a:ext uri="{FF2B5EF4-FFF2-40B4-BE49-F238E27FC236}">
-                <a16:creationId xmlns:a16="http://schemas.microsoft.com/office/drawing/2014/main" id="{207D5559-4209-6649-A0B9-24CFEE26BE8D}"/>
+                <a16:creationId xmlns:a16="http://schemas.microsoft.com/office/drawing/2014/main" xmlns="" id="{207D5559-4209-6649-A0B9-24CFEE26BE8D}"/>
               </a:ext>
             </a:extLst>
           </p:cNvPr>
@@ -17127,7 +17127,7 @@
           <p:cNvPr id="5" name="Content Placeholder 2">
             <a:extLst>
               <a:ext uri="{FF2B5EF4-FFF2-40B4-BE49-F238E27FC236}">
-                <a16:creationId xmlns:a16="http://schemas.microsoft.com/office/drawing/2014/main" id="{E2A9C047-3D41-CC49-89C8-971F511164DB}"/>
+                <a16:creationId xmlns:a16="http://schemas.microsoft.com/office/drawing/2014/main" xmlns="" id="{E2A9C047-3D41-CC49-89C8-971F511164DB}"/>
               </a:ext>
             </a:extLst>
           </p:cNvPr>
@@ -17199,7 +17199,7 @@
           <p:cNvPr id="2" name="Title 1">
             <a:extLst>
               <a:ext uri="{FF2B5EF4-FFF2-40B4-BE49-F238E27FC236}">
-                <a16:creationId xmlns:a16="http://schemas.microsoft.com/office/drawing/2014/main" id="{766B7B69-954D-3D4D-9E9D-CCED46E98B09}"/>
+                <a16:creationId xmlns:a16="http://schemas.microsoft.com/office/drawing/2014/main" xmlns="" id="{766B7B69-954D-3D4D-9E9D-CCED46E98B09}"/>
               </a:ext>
             </a:extLst>
           </p:cNvPr>
@@ -17237,7 +17237,7 @@
           <p:cNvPr id="4" name="Picture 3">
             <a:extLst>
               <a:ext uri="{FF2B5EF4-FFF2-40B4-BE49-F238E27FC236}">
-                <a16:creationId xmlns:a16="http://schemas.microsoft.com/office/drawing/2014/main" id="{44A9F510-1B09-1B4B-8F18-6DD818EE6EA9}"/>
+                <a16:creationId xmlns:a16="http://schemas.microsoft.com/office/drawing/2014/main" xmlns="" id="{44A9F510-1B09-1B4B-8F18-6DD818EE6EA9}"/>
               </a:ext>
             </a:extLst>
           </p:cNvPr>
@@ -17297,7 +17297,7 @@
           <p:cNvPr id="2" name="Title 1">
             <a:extLst>
               <a:ext uri="{FF2B5EF4-FFF2-40B4-BE49-F238E27FC236}">
-                <a16:creationId xmlns:a16="http://schemas.microsoft.com/office/drawing/2014/main" id="{6868896C-C3EC-A747-AEA4-0FCF89D590F7}"/>
+                <a16:creationId xmlns:a16="http://schemas.microsoft.com/office/drawing/2014/main" xmlns="" id="{6868896C-C3EC-A747-AEA4-0FCF89D590F7}"/>
               </a:ext>
             </a:extLst>
           </p:cNvPr>
@@ -17328,7 +17328,7 @@
           <p:cNvPr id="9" name="Picture 8">
             <a:extLst>
               <a:ext uri="{FF2B5EF4-FFF2-40B4-BE49-F238E27FC236}">
-                <a16:creationId xmlns:a16="http://schemas.microsoft.com/office/drawing/2014/main" id="{05BB5CAD-4226-2747-AA06-9161AF570EFD}"/>
+                <a16:creationId xmlns:a16="http://schemas.microsoft.com/office/drawing/2014/main" xmlns="" id="{05BB5CAD-4226-2747-AA06-9161AF570EFD}"/>
               </a:ext>
             </a:extLst>
           </p:cNvPr>
@@ -17358,7 +17358,7 @@
           <p:cNvPr id="10" name="Content Placeholder 2">
             <a:extLst>
               <a:ext uri="{FF2B5EF4-FFF2-40B4-BE49-F238E27FC236}">
-                <a16:creationId xmlns:a16="http://schemas.microsoft.com/office/drawing/2014/main" id="{AED2FB88-8CDA-A44A-9EB9-66B94CC7A9AA}"/>
+                <a16:creationId xmlns:a16="http://schemas.microsoft.com/office/drawing/2014/main" xmlns="" id="{AED2FB88-8CDA-A44A-9EB9-66B94CC7A9AA}"/>
               </a:ext>
             </a:extLst>
           </p:cNvPr>
